--- a/PPT/01Python初探.pptx
+++ b/PPT/01Python初探.pptx
@@ -15632,7 +15632,7 @@
                 <a:ea typeface="宋体" panose="02010600030101010101" pitchFamily="2" charset="-122"/>
                 <a:sym typeface="+mn-ea"/>
               </a:rPr>
-              <a:t>2017 </a:t>
+              <a:t>2018 </a:t>
             </a:r>
             <a:r>
               <a:rPr lang="zh-CN" altLang="en-US" sz="2500">
@@ -15656,7 +15656,7 @@
                 <a:ea typeface="宋体" panose="02010600030101010101" pitchFamily="2" charset="-122"/>
                 <a:sym typeface="+mn-ea"/>
               </a:rPr>
-              <a:t>11 </a:t>
+              <a:t>12</a:t>
             </a:r>
             <a:r>
               <a:rPr lang="zh-CN" altLang="en-US" sz="2500">
@@ -15936,7 +15936,7 @@
       </p:sp>
       <p:pic>
         <p:nvPicPr>
-          <p:cNvPr id="5" name="图片 4" descr="QQ截图20171116221408"/>
+          <p:cNvPr id="3" name="图片 2"/>
           <p:cNvPicPr>
             <a:picLocks noChangeAspect="1"/>
           </p:cNvPicPr>
@@ -15944,14 +15944,15 @@
         </p:nvPicPr>
         <p:blipFill>
           <a:blip r:embed="rId1"/>
+          <a:srcRect l="15295" t="27405" r="18648" b="21649"/>
           <a:stretch>
             <a:fillRect/>
           </a:stretch>
         </p:blipFill>
         <p:spPr>
           <a:xfrm>
-            <a:off x="252730" y="1543050"/>
-            <a:ext cx="8637905" cy="3771265"/>
+            <a:off x="640715" y="1776095"/>
+            <a:ext cx="8010525" cy="3474085"/>
           </a:xfrm>
           <a:prstGeom prst="rect">
             <a:avLst/>
@@ -16060,13 +16061,13 @@
         </p:nvSpPr>
         <p:spPr>
           <a:xfrm>
-            <a:off x="806450" y="1377950"/>
-            <a:ext cx="7539990" cy="3749675"/>
+            <a:off x="641350" y="1377950"/>
+            <a:ext cx="7705090" cy="4723130"/>
           </a:xfrm>
         </p:spPr>
         <p:txBody>
           <a:bodyPr>
-            <a:normAutofit fontScale="90000" lnSpcReduction="20000"/>
+            <a:normAutofit fontScale="90000"/>
           </a:bodyPr>
           <a:lstStyle/>
           <a:p>
@@ -16180,7 +16181,36 @@
                 <a:latin typeface="宋体" panose="02010600030101010101" pitchFamily="2" charset="-122"/>
                 <a:ea typeface="宋体" panose="02010600030101010101" pitchFamily="2" charset="-122"/>
               </a:rPr>
-              <a:t>     http://blog.csdn.net/T7SFOKzorD1JAYMSFk4/article/details/78771846</a:t>
+              <a:t>     </a:t>
+            </a:r>
+            <a:r>
+              <a:rPr lang="zh-CN" altLang="en-US" sz="2000">
+                <a:latin typeface="宋体" panose="02010600030101010101" pitchFamily="2" charset="-122"/>
+                <a:ea typeface="宋体" panose="02010600030101010101" pitchFamily="2" charset="-122"/>
+              </a:rPr>
+              <a:t>http://blog.csdn.net/T7SFOKzorD1JAYMSFk4/article/details/78771846</a:t>
+            </a:r>
+            <a:endParaRPr lang="zh-CN" altLang="en-US" sz="2000">
+              <a:latin typeface="宋体" panose="02010600030101010101" pitchFamily="2" charset="-122"/>
+              <a:ea typeface="宋体" panose="02010600030101010101" pitchFamily="2" charset="-122"/>
+            </a:endParaRPr>
+          </a:p>
+          <a:p>
+            <a:pPr algn="l" fontAlgn="auto">
+              <a:lnSpc>
+                <a:spcPct val="150000"/>
+              </a:lnSpc>
+              <a:spcBef>
+                <a:spcPts val="0"/>
+              </a:spcBef>
+              <a:buNone/>
+            </a:pPr>
+            <a:r>
+              <a:rPr lang="zh-CN" altLang="en-US" sz="2000">
+                <a:latin typeface="宋体" panose="02010600030101010101" pitchFamily="2" charset="-122"/>
+                <a:ea typeface="宋体" panose="02010600030101010101" pitchFamily="2" charset="-122"/>
+              </a:rPr>
+              <a:t>https://blog.csdn.net/caimouse/article/details/78984039</a:t>
             </a:r>
             <a:endParaRPr lang="zh-CN" altLang="en-US" sz="2500">
               <a:latin typeface="宋体" panose="02010600030101010101" pitchFamily="2" charset="-122"/>
